--- a/slides/OSL640-Week8.pptx
+++ b/slides/OSL640-Week8.pptx
@@ -142,8 +142,8 @@
 <file path=ppt/revisionInfo.xml><?xml version="1.0" encoding="utf-8"?>
 <p1510:revInfo xmlns:a="http://schemas.openxmlformats.org/drawingml/2006/main" xmlns:r="http://schemas.openxmlformats.org/officeDocument/2006/relationships" xmlns:p1510="http://schemas.microsoft.com/office/powerpoint/2015/10/main">
   <p1510:revLst>
+    <p1510:client id="{F2ADD995-CF95-4199-8B6D-4B9E723DF960}" v="2" dt="2021-07-22T15:13:47.403"/>
     <p1510:client id="{EC60C170-0C05-461A-95A3-3633B32477EE}" v="50" dt="2021-07-22T15:11:46.328"/>
-    <p1510:client id="{F2ADD995-CF95-4199-8B6D-4B9E723DF960}" v="2" dt="2021-07-22T15:13:47.403"/>
   </p1510:revLst>
 </p1510:revInfo>
 </file>
@@ -328,7 +328,7 @@
           <a:p>
             <a:fld id="{92107E4A-59D9-C648-BC62-133DA4EC414F}" type="datetimeFigureOut">
               <a:rPr lang="en-US" smtClean="0"/>
-              <a:t>9/6/2021</a:t>
+              <a:t>8/4/2023</a:t>
             </a:fld>
             <a:endParaRPr lang="en-US"/>
           </a:p>
@@ -732,7 +732,7 @@
           <a:p>
             <a:fld id="{4AB1357F-A277-7442-BEE7-4FE250216E54}" type="datetimeFigureOut">
               <a:rPr lang="en-US" smtClean="0"/>
-              <a:t>9/6/2021</a:t>
+              <a:t>8/4/2023</a:t>
             </a:fld>
             <a:endParaRPr lang="en-US"/>
           </a:p>
@@ -941,7 +941,7 @@
           <a:p>
             <a:fld id="{4AB1357F-A277-7442-BEE7-4FE250216E54}" type="datetimeFigureOut">
               <a:rPr lang="en-US" smtClean="0"/>
-              <a:t>9/6/2021</a:t>
+              <a:t>8/4/2023</a:t>
             </a:fld>
             <a:endParaRPr lang="en-US"/>
           </a:p>
@@ -1154,7 +1154,7 @@
           <a:p>
             <a:fld id="{4AB1357F-A277-7442-BEE7-4FE250216E54}" type="datetimeFigureOut">
               <a:rPr lang="en-US" smtClean="0"/>
-              <a:t>9/6/2021</a:t>
+              <a:t>8/4/2023</a:t>
             </a:fld>
             <a:endParaRPr lang="en-US"/>
           </a:p>
@@ -1353,7 +1353,7 @@
           <a:p>
             <a:fld id="{4AB1357F-A277-7442-BEE7-4FE250216E54}" type="datetimeFigureOut">
               <a:rPr lang="en-US" smtClean="0"/>
-              <a:t>9/6/2021</a:t>
+              <a:t>8/4/2023</a:t>
             </a:fld>
             <a:endParaRPr lang="en-US"/>
           </a:p>
@@ -1631,7 +1631,7 @@
           <a:p>
             <a:fld id="{4AB1357F-A277-7442-BEE7-4FE250216E54}" type="datetimeFigureOut">
               <a:rPr lang="en-US" smtClean="0"/>
-              <a:t>9/6/2021</a:t>
+              <a:t>8/4/2023</a:t>
             </a:fld>
             <a:endParaRPr lang="en-US"/>
           </a:p>
@@ -1896,7 +1896,7 @@
           <a:p>
             <a:fld id="{4AB1357F-A277-7442-BEE7-4FE250216E54}" type="datetimeFigureOut">
               <a:rPr lang="en-US" smtClean="0"/>
-              <a:t>9/6/2021</a:t>
+              <a:t>8/4/2023</a:t>
             </a:fld>
             <a:endParaRPr lang="en-US"/>
           </a:p>
@@ -2309,7 +2309,7 @@
           <a:p>
             <a:fld id="{4AB1357F-A277-7442-BEE7-4FE250216E54}" type="datetimeFigureOut">
               <a:rPr lang="en-US" smtClean="0"/>
-              <a:t>9/6/2021</a:t>
+              <a:t>8/4/2023</a:t>
             </a:fld>
             <a:endParaRPr lang="en-US"/>
           </a:p>
@@ -2457,7 +2457,7 @@
           <a:p>
             <a:fld id="{4AB1357F-A277-7442-BEE7-4FE250216E54}" type="datetimeFigureOut">
               <a:rPr lang="en-US" smtClean="0"/>
-              <a:t>9/6/2021</a:t>
+              <a:t>8/4/2023</a:t>
             </a:fld>
             <a:endParaRPr lang="en-US"/>
           </a:p>
@@ -2583,7 +2583,7 @@
           <a:p>
             <a:fld id="{4AB1357F-A277-7442-BEE7-4FE250216E54}" type="datetimeFigureOut">
               <a:rPr lang="en-US" smtClean="0"/>
-              <a:t>9/6/2021</a:t>
+              <a:t>8/4/2023</a:t>
             </a:fld>
             <a:endParaRPr lang="en-US"/>
           </a:p>
@@ -2832,7 +2832,7 @@
           <a:p>
             <a:fld id="{4AB1357F-A277-7442-BEE7-4FE250216E54}" type="datetimeFigureOut">
               <a:rPr lang="en-US" smtClean="0"/>
-              <a:t>9/6/2021</a:t>
+              <a:t>8/4/2023</a:t>
             </a:fld>
             <a:endParaRPr lang="en-US"/>
           </a:p>
@@ -3275,7 +3275,7 @@
           <a:p>
             <a:fld id="{4AB1357F-A277-7442-BEE7-4FE250216E54}" type="datetimeFigureOut">
               <a:rPr lang="en-US" smtClean="0"/>
-              <a:t>9/6/2021</a:t>
+              <a:t>8/4/2023</a:t>
             </a:fld>
             <a:endParaRPr lang="en-US"/>
           </a:p>
@@ -3600,7 +3600,7 @@
           <a:p>
             <a:fld id="{4AB1357F-A277-7442-BEE7-4FE250216E54}" type="datetimeFigureOut">
               <a:rPr lang="en-US" smtClean="0"/>
-              <a:t>9/6/2021</a:t>
+              <a:t>8/4/2023</a:t>
             </a:fld>
             <a:endParaRPr lang="en-US"/>
           </a:p>
@@ -9225,86 +9225,61 @@
               <a:buNone/>
             </a:pPr>
             <a:r>
-              <a:rPr lang="en-US" b="1"/>
+              <a:rPr lang="en-US" b="1" dirty="0"/>
               <a:t>Linking Files</a:t>
             </a:r>
           </a:p>
           <a:p>
             <a:pPr lvl="1"/>
             <a:r>
-              <a:rPr lang="en-US" err="1"/>
+              <a:rPr lang="en-US" dirty="0" err="1"/>
               <a:t>i</a:t>
             </a:r>
             <a:r>
-              <a:rPr lang="en-US"/>
+              <a:rPr lang="en-US" dirty="0"/>
               <a:t>-nodes</a:t>
             </a:r>
           </a:p>
           <a:p>
             <a:pPr lvl="1"/>
             <a:r>
-              <a:rPr lang="en-US"/>
+              <a:rPr lang="en-US" dirty="0"/>
               <a:t>Hard Links / Demonstration</a:t>
             </a:r>
           </a:p>
           <a:p>
             <a:pPr lvl="1"/>
             <a:r>
-              <a:rPr lang="en-US"/>
+              <a:rPr lang="en-US" dirty="0"/>
               <a:t>Symbolic Links / Demonstration</a:t>
             </a:r>
             <a:br>
-              <a:rPr lang="en-US"/>
-            </a:br>
-            <a:endParaRPr lang="en-US" b="1"/>
+              <a:rPr lang="en-US" dirty="0"/>
+            </a:br>
+            <a:endParaRPr lang="en-US" b="1" dirty="0"/>
           </a:p>
           <a:p>
             <a:pPr marL="0" indent="0">
               <a:buNone/>
             </a:pPr>
             <a:r>
-              <a:rPr lang="en-US" b="1"/>
+              <a:rPr lang="en-US" b="1" dirty="0"/>
               <a:t>Perform Week 8  Tutorial</a:t>
             </a:r>
           </a:p>
           <a:p>
             <a:pPr lvl="1"/>
             <a:r>
-              <a:rPr lang="en-US"/>
+              <a:rPr lang="en-US" dirty="0"/>
               <a:t>Investigation 1</a:t>
             </a:r>
           </a:p>
           <a:p>
             <a:pPr lvl="1"/>
             <a:r>
-              <a:rPr lang="en-US"/>
+              <a:rPr lang="en-US" dirty="0"/>
               <a:t>Review Questions (Questions 1 – 2)</a:t>
             </a:r>
-          </a:p>
-          <a:p>
-            <a:pPr marL="0" indent="0">
-              <a:buNone/>
-            </a:pPr>
-            <a:br>
-              <a:rPr lang="en-US" b="1"/>
-            </a:br>
-            <a:r>
-              <a:rPr lang="en-US" b="1"/>
-              <a:t>Perform Assignment 2</a:t>
-            </a:r>
-          </a:p>
-          <a:p>
-            <a:pPr lvl="1"/>
-            <a:r>
-              <a:rPr lang="en-US"/>
-              <a:t>Section 4: Linking Files and Directories</a:t>
-            </a:r>
-          </a:p>
-          <a:p>
-            <a:pPr marL="0" indent="0">
-              <a:buNone/>
-            </a:pPr>
-            <a:endParaRPr lang="en-US"/>
           </a:p>
         </p:txBody>
       </p:sp>
@@ -9559,86 +9534,6 @@
                                           <p:spTgt spid="3">
                                             <p:txEl>
                                               <p:pRg st="6" end="6"/>
-                                            </p:txEl>
-                                          </p:spTgt>
-                                        </p:tgtEl>
-                                        <p:attrNameLst>
-                                          <p:attrName>style.visibility</p:attrName>
-                                        </p:attrNameLst>
-                                      </p:cBhvr>
-                                      <p:to>
-                                        <p:strVal val="visible"/>
-                                      </p:to>
-                                    </p:set>
-                                  </p:childTnLst>
-                                </p:cTn>
-                              </p:par>
-                            </p:childTnLst>
-                          </p:cTn>
-                        </p:par>
-                      </p:childTnLst>
-                    </p:cTn>
-                  </p:par>
-                  <p:par>
-                    <p:cTn id="21" fill="hold">
-                      <p:stCondLst>
-                        <p:cond delay="indefinite"/>
-                      </p:stCondLst>
-                      <p:childTnLst>
-                        <p:par>
-                          <p:cTn id="22" fill="hold">
-                            <p:stCondLst>
-                              <p:cond delay="0"/>
-                            </p:stCondLst>
-                            <p:childTnLst>
-                              <p:par>
-                                <p:cTn id="23" presetID="1" presetClass="entr" presetSubtype="0" fill="hold" grpId="0" nodeType="clickEffect">
-                                  <p:stCondLst>
-                                    <p:cond delay="0"/>
-                                  </p:stCondLst>
-                                  <p:childTnLst>
-                                    <p:set>
-                                      <p:cBhvr>
-                                        <p:cTn id="24" dur="1" fill="hold">
-                                          <p:stCondLst>
-                                            <p:cond delay="0"/>
-                                          </p:stCondLst>
-                                        </p:cTn>
-                                        <p:tgtEl>
-                                          <p:spTgt spid="3">
-                                            <p:txEl>
-                                              <p:pRg st="7" end="7"/>
-                                            </p:txEl>
-                                          </p:spTgt>
-                                        </p:tgtEl>
-                                        <p:attrNameLst>
-                                          <p:attrName>style.visibility</p:attrName>
-                                        </p:attrNameLst>
-                                      </p:cBhvr>
-                                      <p:to>
-                                        <p:strVal val="visible"/>
-                                      </p:to>
-                                    </p:set>
-                                  </p:childTnLst>
-                                </p:cTn>
-                              </p:par>
-                              <p:par>
-                                <p:cTn id="25" presetID="1" presetClass="entr" presetSubtype="0" fill="hold" grpId="0" nodeType="withEffect">
-                                  <p:stCondLst>
-                                    <p:cond delay="0"/>
-                                  </p:stCondLst>
-                                  <p:childTnLst>
-                                    <p:set>
-                                      <p:cBhvr>
-                                        <p:cTn id="26" dur="1" fill="hold">
-                                          <p:stCondLst>
-                                            <p:cond delay="0"/>
-                                          </p:stCondLst>
-                                        </p:cTn>
-                                        <p:tgtEl>
-                                          <p:spTgt spid="3">
-                                            <p:txEl>
-                                              <p:pRg st="8" end="8"/>
                                             </p:txEl>
                                           </p:spTgt>
                                         </p:tgtEl>
@@ -12166,7 +12061,7 @@
               <a:buNone/>
             </a:pPr>
             <a:r>
-              <a:rPr lang="en-CA" sz="2400" b="1"/>
+              <a:rPr lang="en-CA" sz="2400" b="1" dirty="0"/>
               <a:t>Getting Practice</a:t>
             </a:r>
           </a:p>
@@ -12175,98 +12070,90 @@
               <a:buNone/>
             </a:pPr>
             <a:r>
-              <a:rPr lang="en-CA"/>
-              <a:t>To get practice to help perform </a:t>
-            </a:r>
-            <a:r>
-              <a:rPr lang="en-CA" b="1"/>
-              <a:t>assignment #2</a:t>
-            </a:r>
-            <a:r>
-              <a:rPr lang="en-CA"/>
-              <a:t>,  perform </a:t>
-            </a:r>
-            <a:r>
-              <a:rPr lang="en-CA" b="1"/>
+              <a:rPr lang="en-CA" dirty="0"/>
+              <a:t>To get practice perform </a:t>
+            </a:r>
+            <a:r>
+              <a:rPr lang="en-CA" b="1" dirty="0"/>
               <a:t>Week 8  Tutorial:</a:t>
             </a:r>
             <a:br>
-              <a:rPr lang="en-CA" sz="1600" b="1"/>
-            </a:br>
-            <a:endParaRPr lang="en-CA" sz="1600" b="1"/>
+              <a:rPr lang="en-CA" sz="1600" b="1" dirty="0"/>
+            </a:br>
+            <a:endParaRPr lang="en-CA" sz="1600" b="1" dirty="0"/>
           </a:p>
           <a:p>
             <a:pPr lvl="1"/>
             <a:r>
-              <a:rPr lang="en-CA">
+              <a:rPr lang="en-CA" dirty="0">
                 <a:hlinkClick r:id="rId2"/>
               </a:rPr>
               <a:t>INVESTIGATION 2: MANAGING PROCESSES</a:t>
             </a:r>
             <a:br>
-              <a:rPr lang="en-CA"/>
-            </a:br>
-            <a:endParaRPr lang="en-CA"/>
+              <a:rPr lang="en-CA" dirty="0"/>
+            </a:br>
+            <a:endParaRPr lang="en-CA" dirty="0"/>
           </a:p>
           <a:p>
             <a:pPr lvl="1"/>
             <a:r>
-              <a:rPr lang="en-CA">
+              <a:rPr lang="en-CA" dirty="0">
                 <a:hlinkClick r:id="rId3"/>
               </a:rPr>
               <a:t>INVESTIGATION 3: ALIASES / COMMAND HISTORY</a:t>
             </a:r>
             <a:br>
-              <a:rPr lang="en-CA"/>
-            </a:br>
-            <a:endParaRPr lang="en-CA"/>
+              <a:rPr lang="en-CA" dirty="0"/>
+            </a:br>
+            <a:endParaRPr lang="en-CA" dirty="0"/>
           </a:p>
           <a:p>
             <a:pPr lvl="1"/>
             <a:r>
-              <a:rPr lang="en-CA" sz="2000">
+              <a:rPr lang="en-CA" dirty="0">
                 <a:hlinkClick r:id="rId4"/>
               </a:rPr>
               <a:t>LINUX PRACTICE QUESTIONS</a:t>
             </a:r>
             <a:r>
-              <a:rPr lang="en-CA" sz="2000"/>
+              <a:rPr lang="en-CA" dirty="0"/>
               <a:t>  (Questions </a:t>
             </a:r>
             <a:r>
-              <a:rPr lang="en-CA" b="1"/>
+              <a:rPr lang="en-CA" b="1" dirty="0"/>
               <a:t>3 – 8</a:t>
             </a:r>
             <a:r>
-              <a:rPr lang="en-CA"/>
+              <a:rPr lang="en-CA" dirty="0"/>
               <a:t>)</a:t>
             </a:r>
             <a:br>
-              <a:rPr lang="en-US"/>
-            </a:br>
-            <a:br>
-              <a:rPr lang="en-US"/>
-            </a:br>
-            <a:br>
-              <a:rPr lang="en-US"/>
-            </a:br>
-            <a:endParaRPr lang="en-US"/>
+              <a:rPr lang="en-US" dirty="0"/>
+            </a:br>
+            <a:br>
+              <a:rPr lang="en-US" dirty="0"/>
+            </a:br>
+            <a:br>
+              <a:rPr lang="en-US" dirty="0"/>
+            </a:br>
+            <a:endParaRPr lang="en-US" dirty="0"/>
           </a:p>
           <a:p>
             <a:pPr lvl="1"/>
-            <a:endParaRPr lang="en-CA" sz="1400"/>
-          </a:p>
-          <a:p>
-            <a:endParaRPr lang="en-CA" sz="2400"/>
-          </a:p>
-          <a:p>
-            <a:endParaRPr lang="en-CA" sz="2400"/>
+            <a:endParaRPr lang="en-CA" sz="1400" dirty="0"/>
+          </a:p>
+          <a:p>
+            <a:endParaRPr lang="en-CA" sz="2400" dirty="0"/>
+          </a:p>
+          <a:p>
+            <a:endParaRPr lang="en-CA" sz="2400" dirty="0"/>
           </a:p>
           <a:p>
             <a:pPr marL="0" indent="0">
               <a:buNone/>
             </a:pPr>
-            <a:endParaRPr lang="en-US"/>
+            <a:endParaRPr lang="en-US" dirty="0"/>
           </a:p>
         </p:txBody>
       </p:sp>
@@ -16091,6 +15978,15 @@
 </file>
 
 <file path=customXml/item1.xml><?xml version="1.0" encoding="utf-8"?>
+<?mso-contentType ?>
+<FormTemplates xmlns="http://schemas.microsoft.com/sharepoint/v3/contenttype/forms">
+  <Display>DocumentLibraryForm</Display>
+  <Edit>DocumentLibraryForm</Edit>
+  <New>DocumentLibraryForm</New>
+</FormTemplates>
+</file>
+
+<file path=customXml/item2.xml><?xml version="1.0" encoding="utf-8"?>
 <ct:contentTypeSchema xmlns:ct="http://schemas.microsoft.com/office/2006/metadata/contentType" xmlns:ma="http://schemas.microsoft.com/office/2006/metadata/properties/metaAttributes" ct:_="" ma:_="" ma:contentTypeName="Document" ma:contentTypeID="0x01010056452DA2941485459CFE4F1403BD78A3" ma:contentTypeVersion="9" ma:contentTypeDescription="Create a new document." ma:contentTypeScope="" ma:versionID="357b321f808c3dafe873831e74252754">
   <xsd:schema xmlns:xsd="http://www.w3.org/2001/XMLSchema" xmlns:xs="http://www.w3.org/2001/XMLSchema" xmlns:p="http://schemas.microsoft.com/office/2006/metadata/properties" xmlns:ns2="83d6e24e-72d9-475f-86bc-baec43385f3c" targetNamespace="http://schemas.microsoft.com/office/2006/metadata/properties" ma:root="true" ma:fieldsID="420a8f89f5a6e51c7100d689e8b47153" ns2:_="">
     <xsd:import namespace="83d6e24e-72d9-475f-86bc-baec43385f3c"/>
@@ -16270,15 +16166,6 @@
 </ct:contentTypeSchema>
 </file>
 
-<file path=customXml/item2.xml><?xml version="1.0" encoding="utf-8"?>
-<?mso-contentType ?>
-<FormTemplates xmlns="http://schemas.microsoft.com/sharepoint/v3/contenttype/forms">
-  <Display>DocumentLibraryForm</Display>
-  <Edit>DocumentLibraryForm</Edit>
-  <New>DocumentLibraryForm</New>
-</FormTemplates>
-</file>
-
 <file path=customXml/item3.xml><?xml version="1.0" encoding="utf-8"?>
 <p:properties xmlns:p="http://schemas.microsoft.com/office/2006/metadata/properties" xmlns:xsi="http://www.w3.org/2001/XMLSchema-instance" xmlns:pc="http://schemas.microsoft.com/office/infopath/2007/PartnerControls">
   <documentManagement>
@@ -16288,6 +16175,14 @@
 </file>
 
 <file path=customXml/itemProps1.xml><?xml version="1.0" encoding="utf-8"?>
+<ds:datastoreItem xmlns:ds="http://schemas.openxmlformats.org/officeDocument/2006/customXml" ds:itemID="{08C0A13B-6EA0-45E7-9594-40F620174530}">
+  <ds:schemaRefs>
+    <ds:schemaRef ds:uri="http://schemas.microsoft.com/sharepoint/v3/contenttype/forms"/>
+  </ds:schemaRefs>
+</ds:datastoreItem>
+</file>
+
+<file path=customXml/itemProps2.xml><?xml version="1.0" encoding="utf-8"?>
 <ds:datastoreItem xmlns:ds="http://schemas.openxmlformats.org/officeDocument/2006/customXml" ds:itemID="{F88F9440-4EAE-452E-A265-5A804F1FBC94}">
   <ds:schemaRefs>
     <ds:schemaRef ds:uri="http://schemas.microsoft.com/office/2006/metadata/contentType"/>
@@ -16301,14 +16196,6 @@
     <ds:schemaRef ds:uri="http://purl.org/dc/elements/1.1/"/>
     <ds:schemaRef ds:uri="http://purl.org/dc/terms/"/>
     <ds:schemaRef ds:uri="http://schemas.microsoft.com/internal/obd"/>
-  </ds:schemaRefs>
-</ds:datastoreItem>
-</file>
-
-<file path=customXml/itemProps2.xml><?xml version="1.0" encoding="utf-8"?>
-<ds:datastoreItem xmlns:ds="http://schemas.openxmlformats.org/officeDocument/2006/customXml" ds:itemID="{08C0A13B-6EA0-45E7-9594-40F620174530}">
-  <ds:schemaRefs>
-    <ds:schemaRef ds:uri="http://schemas.microsoft.com/sharepoint/v3/contenttype/forms"/>
   </ds:schemaRefs>
 </ds:datastoreItem>
 </file>
